--- a/RISCV_CPU/doc/datapath_diagram.pptx
+++ b/RISCV_CPU/doc/datapath_diagram.pptx
@@ -243,7 +243,7 @@
           <a:p>
             <a:fld id="{659B8792-0A76-49EF-8CDA-5D625DAF74CA}" type="datetimeFigureOut">
               <a:rPr lang="en-US" smtClean="0"/>
-              <a:t>12/29/2019</a:t>
+              <a:t>1/2/2020</a:t>
             </a:fld>
             <a:endParaRPr lang="en-US"/>
           </a:p>
@@ -413,7 +413,7 @@
           <a:p>
             <a:fld id="{659B8792-0A76-49EF-8CDA-5D625DAF74CA}" type="datetimeFigureOut">
               <a:rPr lang="en-US" smtClean="0"/>
-              <a:t>12/29/2019</a:t>
+              <a:t>1/2/2020</a:t>
             </a:fld>
             <a:endParaRPr lang="en-US"/>
           </a:p>
@@ -593,7 +593,7 @@
           <a:p>
             <a:fld id="{659B8792-0A76-49EF-8CDA-5D625DAF74CA}" type="datetimeFigureOut">
               <a:rPr lang="en-US" smtClean="0"/>
-              <a:t>12/29/2019</a:t>
+              <a:t>1/2/2020</a:t>
             </a:fld>
             <a:endParaRPr lang="en-US"/>
           </a:p>
@@ -763,7 +763,7 @@
           <a:p>
             <a:fld id="{659B8792-0A76-49EF-8CDA-5D625DAF74CA}" type="datetimeFigureOut">
               <a:rPr lang="en-US" smtClean="0"/>
-              <a:t>12/29/2019</a:t>
+              <a:t>1/2/2020</a:t>
             </a:fld>
             <a:endParaRPr lang="en-US"/>
           </a:p>
@@ -1007,7 +1007,7 @@
           <a:p>
             <a:fld id="{659B8792-0A76-49EF-8CDA-5D625DAF74CA}" type="datetimeFigureOut">
               <a:rPr lang="en-US" smtClean="0"/>
-              <a:t>12/29/2019</a:t>
+              <a:t>1/2/2020</a:t>
             </a:fld>
             <a:endParaRPr lang="en-US"/>
           </a:p>
@@ -1239,7 +1239,7 @@
           <a:p>
             <a:fld id="{659B8792-0A76-49EF-8CDA-5D625DAF74CA}" type="datetimeFigureOut">
               <a:rPr lang="en-US" smtClean="0"/>
-              <a:t>12/29/2019</a:t>
+              <a:t>1/2/2020</a:t>
             </a:fld>
             <a:endParaRPr lang="en-US"/>
           </a:p>
@@ -1606,7 +1606,7 @@
           <a:p>
             <a:fld id="{659B8792-0A76-49EF-8CDA-5D625DAF74CA}" type="datetimeFigureOut">
               <a:rPr lang="en-US" smtClean="0"/>
-              <a:t>12/29/2019</a:t>
+              <a:t>1/2/2020</a:t>
             </a:fld>
             <a:endParaRPr lang="en-US"/>
           </a:p>
@@ -1724,7 +1724,7 @@
           <a:p>
             <a:fld id="{659B8792-0A76-49EF-8CDA-5D625DAF74CA}" type="datetimeFigureOut">
               <a:rPr lang="en-US" smtClean="0"/>
-              <a:t>12/29/2019</a:t>
+              <a:t>1/2/2020</a:t>
             </a:fld>
             <a:endParaRPr lang="en-US"/>
           </a:p>
@@ -1819,7 +1819,7 @@
           <a:p>
             <a:fld id="{659B8792-0A76-49EF-8CDA-5D625DAF74CA}" type="datetimeFigureOut">
               <a:rPr lang="en-US" smtClean="0"/>
-              <a:t>12/29/2019</a:t>
+              <a:t>1/2/2020</a:t>
             </a:fld>
             <a:endParaRPr lang="en-US"/>
           </a:p>
@@ -2096,7 +2096,7 @@
           <a:p>
             <a:fld id="{659B8792-0A76-49EF-8CDA-5D625DAF74CA}" type="datetimeFigureOut">
               <a:rPr lang="en-US" smtClean="0"/>
-              <a:t>12/29/2019</a:t>
+              <a:t>1/2/2020</a:t>
             </a:fld>
             <a:endParaRPr lang="en-US"/>
           </a:p>
@@ -2353,7 +2353,7 @@
           <a:p>
             <a:fld id="{659B8792-0A76-49EF-8CDA-5D625DAF74CA}" type="datetimeFigureOut">
               <a:rPr lang="en-US" smtClean="0"/>
-              <a:t>12/29/2019</a:t>
+              <a:t>1/2/2020</a:t>
             </a:fld>
             <a:endParaRPr lang="en-US"/>
           </a:p>
@@ -2566,7 +2566,7 @@
           <a:p>
             <a:fld id="{659B8792-0A76-49EF-8CDA-5D625DAF74CA}" type="datetimeFigureOut">
               <a:rPr lang="en-US" smtClean="0"/>
-              <a:t>12/29/2019</a:t>
+              <a:t>1/2/2020</a:t>
             </a:fld>
             <a:endParaRPr lang="en-US"/>
           </a:p>
@@ -4648,48 +4648,6 @@
           </a:fontRef>
         </p:style>
       </p:cxnSp>
-      <p:cxnSp>
-        <p:nvCxnSpPr>
-          <p:cNvPr id="108" name="连接符: 肘形 107">
-            <a:extLst>
-              <a:ext uri="{FF2B5EF4-FFF2-40B4-BE49-F238E27FC236}">
-                <a16:creationId xmlns:a16="http://schemas.microsoft.com/office/drawing/2014/main" id="{C9624B1B-2175-42A1-8567-B089963106A5}"/>
-              </a:ext>
-            </a:extLst>
-          </p:cNvPr>
-          <p:cNvCxnSpPr>
-            <a:cxnSpLocks/>
-          </p:cNvCxnSpPr>
-          <p:nvPr/>
-        </p:nvCxnSpPr>
-        <p:spPr>
-          <a:xfrm rot="5400000">
-            <a:off x="20539859" y="19683728"/>
-            <a:ext cx="2822383" cy="1"/>
-          </a:xfrm>
-          <a:prstGeom prst="bentConnector3">
-            <a:avLst/>
-          </a:prstGeom>
-          <a:ln w="50800">
-            <a:headEnd type="triangle"/>
-            <a:tailEnd type="triangle"/>
-          </a:ln>
-        </p:spPr>
-        <p:style>
-          <a:lnRef idx="1">
-            <a:schemeClr val="dk1"/>
-          </a:lnRef>
-          <a:fillRef idx="0">
-            <a:schemeClr val="dk1"/>
-          </a:fillRef>
-          <a:effectRef idx="0">
-            <a:schemeClr val="dk1"/>
-          </a:effectRef>
-          <a:fontRef idx="minor">
-            <a:schemeClr val="tx1"/>
-          </a:fontRef>
-        </p:style>
-      </p:cxnSp>
       <p:sp>
         <p:nvSpPr>
           <p:cNvPr id="110" name="矩形 109">
@@ -5214,6 +5172,200 @@
           </a:p>
         </p:txBody>
       </p:sp>
+      <p:sp>
+        <p:nvSpPr>
+          <p:cNvPr id="47" name="矩形 46">
+            <a:extLst>
+              <a:ext uri="{FF2B5EF4-FFF2-40B4-BE49-F238E27FC236}">
+                <a16:creationId xmlns:a16="http://schemas.microsoft.com/office/drawing/2014/main" id="{165F4BE6-0C59-4E36-A77C-AB72C12C690D}"/>
+              </a:ext>
+            </a:extLst>
+          </p:cNvPr>
+          <p:cNvSpPr/>
+          <p:nvPr/>
+        </p:nvSpPr>
+        <p:spPr>
+          <a:xfrm>
+            <a:off x="21231429" y="18890464"/>
+            <a:ext cx="1381955" cy="856528"/>
+          </a:xfrm>
+          <a:prstGeom prst="rect">
+            <a:avLst/>
+          </a:prstGeom>
+          <a:solidFill>
+            <a:srgbClr val="CC0000"/>
+          </a:solidFill>
+        </p:spPr>
+        <p:style>
+          <a:lnRef idx="2">
+            <a:schemeClr val="accent1">
+              <a:shade val="50000"/>
+            </a:schemeClr>
+          </a:lnRef>
+          <a:fillRef idx="1">
+            <a:schemeClr val="accent1"/>
+          </a:fillRef>
+          <a:effectRef idx="0">
+            <a:schemeClr val="accent1"/>
+          </a:effectRef>
+          <a:fontRef idx="minor">
+            <a:schemeClr val="lt1"/>
+          </a:fontRef>
+        </p:style>
+        <p:txBody>
+          <a:bodyPr rot="0" spcFirstLastPara="0" vertOverflow="overflow" horzOverflow="overflow" vert="horz" wrap="square" lIns="91440" tIns="45720" rIns="91440" bIns="45720" numCol="1" spcCol="0" rtlCol="0" fromWordArt="0" anchor="ctr" anchorCtr="0" forceAA="0" compatLnSpc="1">
+            <a:prstTxWarp prst="textNoShape">
+              <a:avLst/>
+            </a:prstTxWarp>
+            <a:noAutofit/>
+          </a:bodyPr>
+          <a:lstStyle/>
+          <a:p>
+            <a:pPr algn="ctr"/>
+            <a:r>
+              <a:rPr lang="en-US" sz="2300" dirty="0">
+                <a:latin typeface="Comic Sans MS" panose="030F0702030302020204" pitchFamily="66" charset="0"/>
+              </a:rPr>
+              <a:t>Data</a:t>
+            </a:r>
+          </a:p>
+          <a:p>
+            <a:pPr algn="ctr"/>
+            <a:r>
+              <a:rPr lang="en-US" sz="2300" dirty="0">
+                <a:latin typeface="Comic Sans MS" panose="030F0702030302020204" pitchFamily="66" charset="0"/>
+              </a:rPr>
+              <a:t>Cache</a:t>
+            </a:r>
+          </a:p>
+        </p:txBody>
+      </p:sp>
+      <p:cxnSp>
+        <p:nvCxnSpPr>
+          <p:cNvPr id="49" name="连接符: 肘形 48">
+            <a:extLst>
+              <a:ext uri="{FF2B5EF4-FFF2-40B4-BE49-F238E27FC236}">
+                <a16:creationId xmlns:a16="http://schemas.microsoft.com/office/drawing/2014/main" id="{B8AFD1D0-5C32-4CA8-B331-10AE1858957A}"/>
+              </a:ext>
+            </a:extLst>
+          </p:cNvPr>
+          <p:cNvCxnSpPr>
+            <a:cxnSpLocks/>
+          </p:cNvCxnSpPr>
+          <p:nvPr/>
+        </p:nvCxnSpPr>
+        <p:spPr>
+          <a:xfrm rot="5400000">
+            <a:off x="18920535" y="18602231"/>
+            <a:ext cx="608393" cy="1"/>
+          </a:xfrm>
+          <a:prstGeom prst="bentConnector3">
+            <a:avLst/>
+          </a:prstGeom>
+          <a:ln w="50800">
+            <a:headEnd type="triangle"/>
+            <a:tailEnd type="triangle"/>
+          </a:ln>
+        </p:spPr>
+        <p:style>
+          <a:lnRef idx="1">
+            <a:schemeClr val="dk1"/>
+          </a:lnRef>
+          <a:fillRef idx="0">
+            <a:schemeClr val="dk1"/>
+          </a:fillRef>
+          <a:effectRef idx="0">
+            <a:schemeClr val="dk1"/>
+          </a:effectRef>
+          <a:fontRef idx="minor">
+            <a:schemeClr val="tx1"/>
+          </a:fontRef>
+        </p:style>
+      </p:cxnSp>
+      <p:cxnSp>
+        <p:nvCxnSpPr>
+          <p:cNvPr id="50" name="连接符: 肘形 49">
+            <a:extLst>
+              <a:ext uri="{FF2B5EF4-FFF2-40B4-BE49-F238E27FC236}">
+                <a16:creationId xmlns:a16="http://schemas.microsoft.com/office/drawing/2014/main" id="{AD77E24F-DF54-4FD1-8A20-32FF1C29405E}"/>
+              </a:ext>
+            </a:extLst>
+          </p:cNvPr>
+          <p:cNvCxnSpPr>
+            <a:cxnSpLocks/>
+          </p:cNvCxnSpPr>
+          <p:nvPr/>
+        </p:nvCxnSpPr>
+        <p:spPr>
+          <a:xfrm rot="5400000">
+            <a:off x="21646851" y="18584370"/>
+            <a:ext cx="608393" cy="1"/>
+          </a:xfrm>
+          <a:prstGeom prst="bentConnector3">
+            <a:avLst/>
+          </a:prstGeom>
+          <a:ln w="50800">
+            <a:headEnd type="triangle"/>
+            <a:tailEnd type="triangle"/>
+          </a:ln>
+        </p:spPr>
+        <p:style>
+          <a:lnRef idx="1">
+            <a:schemeClr val="dk1"/>
+          </a:lnRef>
+          <a:fillRef idx="0">
+            <a:schemeClr val="dk1"/>
+          </a:fillRef>
+          <a:effectRef idx="0">
+            <a:schemeClr val="dk1"/>
+          </a:effectRef>
+          <a:fontRef idx="minor">
+            <a:schemeClr val="tx1"/>
+          </a:fontRef>
+        </p:style>
+      </p:cxnSp>
+      <p:cxnSp>
+        <p:nvCxnSpPr>
+          <p:cNvPr id="51" name="连接符: 肘形 50">
+            <a:extLst>
+              <a:ext uri="{FF2B5EF4-FFF2-40B4-BE49-F238E27FC236}">
+                <a16:creationId xmlns:a16="http://schemas.microsoft.com/office/drawing/2014/main" id="{C2754DA2-1FD5-4E96-A7E8-5E2389F3311B}"/>
+              </a:ext>
+            </a:extLst>
+          </p:cNvPr>
+          <p:cNvCxnSpPr>
+            <a:cxnSpLocks/>
+          </p:cNvCxnSpPr>
+          <p:nvPr/>
+        </p:nvCxnSpPr>
+        <p:spPr>
+          <a:xfrm rot="5400000">
+            <a:off x="21247494" y="20420007"/>
+            <a:ext cx="1349827" cy="2"/>
+          </a:xfrm>
+          <a:prstGeom prst="bentConnector3">
+            <a:avLst/>
+          </a:prstGeom>
+          <a:ln w="50800">
+            <a:headEnd type="triangle"/>
+            <a:tailEnd type="triangle"/>
+          </a:ln>
+        </p:spPr>
+        <p:style>
+          <a:lnRef idx="1">
+            <a:schemeClr val="dk1"/>
+          </a:lnRef>
+          <a:fillRef idx="0">
+            <a:schemeClr val="dk1"/>
+          </a:fillRef>
+          <a:effectRef idx="0">
+            <a:schemeClr val="dk1"/>
+          </a:effectRef>
+          <a:fontRef idx="minor">
+            <a:schemeClr val="tx1"/>
+          </a:fontRef>
+        </p:style>
+      </p:cxnSp>
     </p:spTree>
     <p:extLst>
       <p:ext uri="{BB962C8B-B14F-4D97-AF65-F5344CB8AC3E}">
